--- a/5_seminar/Contents_Part_02/slides/slides_II_1.pptx
+++ b/5_seminar/Contents_Part_02/slides/slides_II_1.pptx
@@ -235,7 +235,7 @@
           <a:p>
             <a:fld id="{7A5B87F2-13FD-4A24-9F19-39B31C60B536}" type="datetimeFigureOut">
               <a:rPr lang="en-US" smtClean="0"/>
-              <a:t>4/14/2021</a:t>
+              <a:t>4/16/2021</a:t>
             </a:fld>
             <a:endParaRPr lang="en-US"/>
           </a:p>
@@ -4255,7 +4255,7 @@
           <a:p>
             <a:fld id="{5A1811BA-6AD9-41A7-B7A2-456C8523519C}" type="datetime1">
               <a:rPr lang="en-US" smtClean="0"/>
-              <a:t>4/14/2021</a:t>
+              <a:t>4/16/2021</a:t>
             </a:fld>
             <a:endParaRPr lang="en-US"/>
           </a:p>
@@ -4425,7 +4425,7 @@
           <a:p>
             <a:fld id="{B0494441-C196-4BB0-93EE-AF22360207AB}" type="datetime1">
               <a:rPr lang="en-US" smtClean="0"/>
-              <a:t>4/14/2021</a:t>
+              <a:t>4/16/2021</a:t>
             </a:fld>
             <a:endParaRPr lang="en-US"/>
           </a:p>
@@ -4605,7 +4605,7 @@
           <a:p>
             <a:fld id="{D7B9282B-C3CE-4F56-8DD1-5349F982F1D2}" type="datetime1">
               <a:rPr lang="en-US" smtClean="0"/>
-              <a:t>4/14/2021</a:t>
+              <a:t>4/16/2021</a:t>
             </a:fld>
             <a:endParaRPr lang="en-US"/>
           </a:p>
@@ -4775,7 +4775,7 @@
           <a:p>
             <a:fld id="{E6E86D6A-786F-4E85-AF3B-385015383ABA}" type="datetime1">
               <a:rPr lang="en-US" smtClean="0"/>
-              <a:t>4/14/2021</a:t>
+              <a:t>4/16/2021</a:t>
             </a:fld>
             <a:endParaRPr lang="en-US"/>
           </a:p>
@@ -5021,7 +5021,7 @@
           <a:p>
             <a:fld id="{051FFEB0-9C80-4A34-A5C7-72D52D52FC7D}" type="datetime1">
               <a:rPr lang="en-US" smtClean="0"/>
-              <a:t>4/14/2021</a:t>
+              <a:t>4/16/2021</a:t>
             </a:fld>
             <a:endParaRPr lang="en-US"/>
           </a:p>
@@ -5253,7 +5253,7 @@
           <a:p>
             <a:fld id="{084267AD-C299-471B-ABA1-D0EA94C7EDCF}" type="datetime1">
               <a:rPr lang="en-US" smtClean="0"/>
-              <a:t>4/14/2021</a:t>
+              <a:t>4/16/2021</a:t>
             </a:fld>
             <a:endParaRPr lang="en-US"/>
           </a:p>
@@ -5620,7 +5620,7 @@
           <a:p>
             <a:fld id="{6468DBC7-10F8-46A1-8CE1-DBB0A6F0EF3E}" type="datetime1">
               <a:rPr lang="en-US" smtClean="0"/>
-              <a:t>4/14/2021</a:t>
+              <a:t>4/16/2021</a:t>
             </a:fld>
             <a:endParaRPr lang="en-US"/>
           </a:p>
@@ -5738,7 +5738,7 @@
           <a:p>
             <a:fld id="{0A97ED80-8DDA-43A7-A78F-B0542D691D0E}" type="datetime1">
               <a:rPr lang="en-US" smtClean="0"/>
-              <a:t>4/14/2021</a:t>
+              <a:t>4/16/2021</a:t>
             </a:fld>
             <a:endParaRPr lang="en-US"/>
           </a:p>
@@ -5833,7 +5833,7 @@
           <a:p>
             <a:fld id="{0AF827E6-45BA-40D2-98F2-BE4FFF095577}" type="datetime1">
               <a:rPr lang="en-US" smtClean="0"/>
-              <a:t>4/14/2021</a:t>
+              <a:t>4/16/2021</a:t>
             </a:fld>
             <a:endParaRPr lang="en-US"/>
           </a:p>
@@ -6110,7 +6110,7 @@
           <a:p>
             <a:fld id="{42BD114C-22EA-4B1A-A45B-ED6465C7BB4E}" type="datetime1">
               <a:rPr lang="en-US" smtClean="0"/>
-              <a:t>4/14/2021</a:t>
+              <a:t>4/16/2021</a:t>
             </a:fld>
             <a:endParaRPr lang="en-US"/>
           </a:p>
@@ -6363,7 +6363,7 @@
           <a:p>
             <a:fld id="{F46F8903-38BE-4FD8-98FC-E4EF771B2D8C}" type="datetime1">
               <a:rPr lang="en-US" smtClean="0"/>
-              <a:t>4/14/2021</a:t>
+              <a:t>4/16/2021</a:t>
             </a:fld>
             <a:endParaRPr lang="en-US"/>
           </a:p>
@@ -6576,7 +6576,7 @@
           <a:p>
             <a:fld id="{A91AC8C7-9CA9-4E83-8CE3-AD3BE4150B39}" type="datetime1">
               <a:rPr lang="en-US" smtClean="0"/>
-              <a:t>4/14/2021</a:t>
+              <a:t>4/16/2021</a:t>
             </a:fld>
             <a:endParaRPr lang="en-US"/>
           </a:p>
@@ -7820,7 +7820,7 @@
             </a:r>
             <a:r>
               <a:rPr lang="en-US" b="1"/>
-              <a:t>Example Twitter</a:t>
+              <a:t>Twitter Data – Example </a:t>
             </a:r>
           </a:p>
         </p:txBody>
@@ -8101,7 +8101,7 @@
             </a:r>
             <a:r>
               <a:rPr lang="en-US" b="1"/>
-              <a:t>Twitter Demo</a:t>
+              <a:t>Twitter Data</a:t>
             </a:r>
           </a:p>
         </p:txBody>
@@ -8293,7 +8293,7 @@
             </a:r>
             <a:r>
               <a:rPr lang="en-US" b="1"/>
-              <a:t>Twitter Demo Python</a:t>
+              <a:t>Twitter Data</a:t>
             </a:r>
           </a:p>
         </p:txBody>
@@ -12556,64 +12556,6 @@
           </a:prstGeom>
         </p:spPr>
       </p:pic>
-      <p:sp>
-        <p:nvSpPr>
-          <p:cNvPr id="11" name="Rectangle 10">
-            <a:extLst>
-              <a:ext uri="{FF2B5EF4-FFF2-40B4-BE49-F238E27FC236}">
-                <a16:creationId xmlns:a16="http://schemas.microsoft.com/office/drawing/2014/main" id="{F1589F71-999D-4CF0-88E5-29F808D3EF06}"/>
-              </a:ext>
-            </a:extLst>
-          </p:cNvPr>
-          <p:cNvSpPr/>
-          <p:nvPr/>
-        </p:nvSpPr>
-        <p:spPr>
-          <a:xfrm>
-            <a:off x="4827104" y="0"/>
-            <a:ext cx="7364896" cy="914400"/>
-          </a:xfrm>
-          <a:prstGeom prst="rect">
-            <a:avLst/>
-          </a:prstGeom>
-          <a:solidFill>
-            <a:schemeClr val="accent2"/>
-          </a:solidFill>
-          <a:ln>
-            <a:solidFill>
-              <a:schemeClr val="accent2"/>
-            </a:solidFill>
-          </a:ln>
-        </p:spPr>
-        <p:style>
-          <a:lnRef idx="2">
-            <a:schemeClr val="accent1">
-              <a:shade val="50000"/>
-            </a:schemeClr>
-          </a:lnRef>
-          <a:fillRef idx="1">
-            <a:schemeClr val="accent1"/>
-          </a:fillRef>
-          <a:effectRef idx="0">
-            <a:schemeClr val="accent1"/>
-          </a:effectRef>
-          <a:fontRef idx="minor">
-            <a:schemeClr val="lt1"/>
-          </a:fontRef>
-        </p:style>
-        <p:txBody>
-          <a:bodyPr rtlCol="0" anchor="ctr"/>
-          <a:lstStyle/>
-          <a:p>
-            <a:pPr algn="ctr"/>
-            <a:r>
-              <a:rPr lang="de-DE"/>
-              <a:t>demo aufsetzen</a:t>
-            </a:r>
-            <a:endParaRPr lang="en-US"/>
-          </a:p>
-        </p:txBody>
-      </p:sp>
     </p:spTree>
     <p:extLst>
       <p:ext uri="{BB962C8B-B14F-4D97-AF65-F5344CB8AC3E}">
@@ -19258,7 +19200,7 @@
             </a:r>
             <a:r>
               <a:rPr lang="en-US" b="1"/>
-              <a:t>Example Demo</a:t>
+              <a:t>Example</a:t>
             </a:r>
           </a:p>
         </p:txBody>
@@ -19514,7 +19456,7 @@
             </a:r>
             <a:r>
               <a:rPr lang="en-US" b="1"/>
-              <a:t>Example Demo</a:t>
+              <a:t>Example</a:t>
             </a:r>
           </a:p>
         </p:txBody>
@@ -19767,7 +19709,7 @@
             </a:r>
             <a:r>
               <a:rPr lang="en-US" b="1"/>
-              <a:t>Example Demo</a:t>
+              <a:t>Example</a:t>
             </a:r>
           </a:p>
         </p:txBody>

--- a/5_seminar/Contents_Part_02/slides/slides_II_1.pptx
+++ b/5_seminar/Contents_Part_02/slides/slides_II_1.pptx
@@ -46,7 +46,7 @@
     <p:sldId id="342" r:id="rId37"/>
     <p:sldId id="324" r:id="rId38"/>
     <p:sldId id="331" r:id="rId39"/>
-    <p:sldId id="274" r:id="rId40"/>
+    <p:sldId id="347" r:id="rId40"/>
   </p:sldIdLst>
   <p:sldSz cx="12192000" cy="6858000"/>
   <p:notesSz cx="6858000" cy="9144000"/>
@@ -235,7 +235,7 @@
           <a:p>
             <a:fld id="{7A5B87F2-13FD-4A24-9F19-39B31C60B536}" type="datetimeFigureOut">
               <a:rPr lang="en-US" smtClean="0"/>
-              <a:t>4/16/2021</a:t>
+              <a:t>4/26/2021</a:t>
             </a:fld>
             <a:endParaRPr lang="en-US"/>
           </a:p>
@@ -4255,7 +4255,7 @@
           <a:p>
             <a:fld id="{5A1811BA-6AD9-41A7-B7A2-456C8523519C}" type="datetime1">
               <a:rPr lang="en-US" smtClean="0"/>
-              <a:t>4/16/2021</a:t>
+              <a:t>4/26/2021</a:t>
             </a:fld>
             <a:endParaRPr lang="en-US"/>
           </a:p>
@@ -4425,7 +4425,7 @@
           <a:p>
             <a:fld id="{B0494441-C196-4BB0-93EE-AF22360207AB}" type="datetime1">
               <a:rPr lang="en-US" smtClean="0"/>
-              <a:t>4/16/2021</a:t>
+              <a:t>4/26/2021</a:t>
             </a:fld>
             <a:endParaRPr lang="en-US"/>
           </a:p>
@@ -4605,7 +4605,7 @@
           <a:p>
             <a:fld id="{D7B9282B-C3CE-4F56-8DD1-5349F982F1D2}" type="datetime1">
               <a:rPr lang="en-US" smtClean="0"/>
-              <a:t>4/16/2021</a:t>
+              <a:t>4/26/2021</a:t>
             </a:fld>
             <a:endParaRPr lang="en-US"/>
           </a:p>
@@ -4775,7 +4775,7 @@
           <a:p>
             <a:fld id="{E6E86D6A-786F-4E85-AF3B-385015383ABA}" type="datetime1">
               <a:rPr lang="en-US" smtClean="0"/>
-              <a:t>4/16/2021</a:t>
+              <a:t>4/26/2021</a:t>
             </a:fld>
             <a:endParaRPr lang="en-US"/>
           </a:p>
@@ -5021,7 +5021,7 @@
           <a:p>
             <a:fld id="{051FFEB0-9C80-4A34-A5C7-72D52D52FC7D}" type="datetime1">
               <a:rPr lang="en-US" smtClean="0"/>
-              <a:t>4/16/2021</a:t>
+              <a:t>4/26/2021</a:t>
             </a:fld>
             <a:endParaRPr lang="en-US"/>
           </a:p>
@@ -5253,7 +5253,7 @@
           <a:p>
             <a:fld id="{084267AD-C299-471B-ABA1-D0EA94C7EDCF}" type="datetime1">
               <a:rPr lang="en-US" smtClean="0"/>
-              <a:t>4/16/2021</a:t>
+              <a:t>4/26/2021</a:t>
             </a:fld>
             <a:endParaRPr lang="en-US"/>
           </a:p>
@@ -5620,7 +5620,7 @@
           <a:p>
             <a:fld id="{6468DBC7-10F8-46A1-8CE1-DBB0A6F0EF3E}" type="datetime1">
               <a:rPr lang="en-US" smtClean="0"/>
-              <a:t>4/16/2021</a:t>
+              <a:t>4/26/2021</a:t>
             </a:fld>
             <a:endParaRPr lang="en-US"/>
           </a:p>
@@ -5738,7 +5738,7 @@
           <a:p>
             <a:fld id="{0A97ED80-8DDA-43A7-A78F-B0542D691D0E}" type="datetime1">
               <a:rPr lang="en-US" smtClean="0"/>
-              <a:t>4/16/2021</a:t>
+              <a:t>4/26/2021</a:t>
             </a:fld>
             <a:endParaRPr lang="en-US"/>
           </a:p>
@@ -5833,7 +5833,7 @@
           <a:p>
             <a:fld id="{0AF827E6-45BA-40D2-98F2-BE4FFF095577}" type="datetime1">
               <a:rPr lang="en-US" smtClean="0"/>
-              <a:t>4/16/2021</a:t>
+              <a:t>4/26/2021</a:t>
             </a:fld>
             <a:endParaRPr lang="en-US"/>
           </a:p>
@@ -6110,7 +6110,7 @@
           <a:p>
             <a:fld id="{42BD114C-22EA-4B1A-A45B-ED6465C7BB4E}" type="datetime1">
               <a:rPr lang="en-US" smtClean="0"/>
-              <a:t>4/16/2021</a:t>
+              <a:t>4/26/2021</a:t>
             </a:fld>
             <a:endParaRPr lang="en-US"/>
           </a:p>
@@ -6363,7 +6363,7 @@
           <a:p>
             <a:fld id="{F46F8903-38BE-4FD8-98FC-E4EF771B2D8C}" type="datetime1">
               <a:rPr lang="en-US" smtClean="0"/>
-              <a:t>4/16/2021</a:t>
+              <a:t>4/26/2021</a:t>
             </a:fld>
             <a:endParaRPr lang="en-US"/>
           </a:p>
@@ -6576,7 +6576,7 @@
           <a:p>
             <a:fld id="{A91AC8C7-9CA9-4E83-8CE3-AD3BE4150B39}" type="datetime1">
               <a:rPr lang="en-US" smtClean="0"/>
-              <a:t>4/16/2021</a:t>
+              <a:t>4/26/2021</a:t>
             </a:fld>
             <a:endParaRPr lang="en-US"/>
           </a:p>
@@ -7603,7 +7603,7 @@
             <a:pPr lvl="1"/>
             <a:r>
               <a:rPr lang="en-GB"/>
-              <a:t>Scraping up to 18,000 tweets possible</a:t>
+              <a:t>Scraping of up to 18,000 tweets possible</a:t>
             </a:r>
           </a:p>
           <a:p>
@@ -7893,7 +7893,7 @@
         </p:blipFill>
         <p:spPr>
           <a:xfrm rot="16200000" flipV="1">
-            <a:off x="6190333" y="3954348"/>
+            <a:off x="6542758" y="3954348"/>
             <a:ext cx="757629" cy="946296"/>
           </a:xfrm>
           <a:prstGeom prst="rect">
@@ -7923,7 +7923,7 @@
         </p:blipFill>
         <p:spPr>
           <a:xfrm>
-            <a:off x="1066798" y="2597677"/>
+            <a:off x="1419223" y="2597677"/>
             <a:ext cx="4124327" cy="2906773"/>
           </a:xfrm>
           <a:prstGeom prst="rect">
@@ -7963,8 +7963,8 @@
         </p:blipFill>
         <p:spPr>
           <a:xfrm>
-            <a:off x="1066798" y="5755824"/>
-            <a:ext cx="10287001" cy="540652"/>
+            <a:off x="1419224" y="5774346"/>
+            <a:ext cx="9934576" cy="522130"/>
           </a:xfrm>
           <a:prstGeom prst="rect">
             <a:avLst/>
@@ -7995,7 +7995,7 @@
         </p:nvSpPr>
         <p:spPr>
           <a:xfrm>
-            <a:off x="5336176" y="5227451"/>
+            <a:off x="5764801" y="5227451"/>
             <a:ext cx="6017623" cy="276999"/>
           </a:xfrm>
           <a:prstGeom prst="rect">
@@ -9007,7 +9007,19 @@
             </a:r>
             <a:r>
               <a:rPr lang="de-DE" sz="2000" i="1"/>
-              <a:t> dürfen nicht zulassen, </a:t>
+              <a:t> </a:t>
+            </a:r>
+            <a:r>
+              <a:rPr lang="de-DE" sz="2000" b="1" i="1">
+                <a:solidFill>
+                  <a:srgbClr val="33CCFF"/>
+                </a:solidFill>
+              </a:rPr>
+              <a:t>dürfen</a:t>
+            </a:r>
+            <a:r>
+              <a:rPr lang="de-DE" sz="2000" i="1"/>
+              <a:t> nicht zulassen, </a:t>
             </a:r>
             <a:r>
               <a:rPr lang="de-DE" sz="2000" b="1" i="1">
@@ -9189,7 +9201,7 @@
             </a:r>
             <a:r>
               <a:rPr lang="en-US"/>
-              <a:t> pattern (sequence of characters) defined to search text with a common structure</a:t>
+              <a:t> pattern (= sequence of characters) defined to search text with a common structure</a:t>
             </a:r>
           </a:p>
           <a:p>
@@ -12445,11 +12457,11 @@
           <a:p>
             <a:r>
               <a:rPr lang="en-US"/>
-              <a:t>Static Feature Extraction  </a:t>
+              <a:t>Text Normalization  </a:t>
             </a:r>
             <a:r>
               <a:rPr lang="en-US" b="1"/>
-              <a:t>Basic Text Cleaning</a:t>
+              <a:t>Regular Expressions</a:t>
             </a:r>
           </a:p>
         </p:txBody>
@@ -13639,9 +13651,10 @@
           <a:p>
             <a:pPr algn="ctr"/>
             <a:r>
-              <a:rPr lang="en-US" sz="2400" i="1" dirty="0"/>
-              <a:t>Word Stem</a:t>
-            </a:r>
+              <a:rPr lang="en-US" sz="2400" i="1"/>
+              <a:t>word stem</a:t>
+            </a:r>
+            <a:endParaRPr lang="en-US" sz="2400" i="1" dirty="0"/>
           </a:p>
         </p:txBody>
       </p:sp>
@@ -14234,7 +14247,7 @@
         </p:blipFill>
         <p:spPr>
           <a:xfrm>
-            <a:off x="1071971" y="4264450"/>
+            <a:off x="1148171" y="4112050"/>
             <a:ext cx="5138326" cy="2091900"/>
           </a:xfrm>
           <a:prstGeom prst="rect">
@@ -14561,7 +14574,7 @@
             </a:br>
             <a:r>
               <a:rPr lang="en-US"/>
-              <a:t>about word order,  sentence structure, ...</a:t>
+              <a:t>about word order, sentence structure, ...</a:t>
             </a:r>
           </a:p>
           <a:p>
@@ -14885,7 +14898,7 @@
             <a:pPr lvl="1"/>
             <a:r>
               <a:rPr lang="en-US"/>
-              <a:t>Word / character </a:t>
+              <a:t>Word/character </a:t>
             </a:r>
             <a:r>
               <a:rPr lang="en-US" i="1"/>
@@ -14927,7 +14940,18 @@
               <a:rPr lang="en-US">
                 <a:sym typeface="Symbol" panose="05050102010706020507" pitchFamily="18" charset="2"/>
               </a:rPr>
-              <a:t>representation of texts by tokens that co-occur across documents</a:t>
+              <a:t>representation of texts by tokens that </a:t>
+            </a:r>
+            <a:br>
+              <a:rPr lang="en-US">
+                <a:sym typeface="Symbol" panose="05050102010706020507" pitchFamily="18" charset="2"/>
+              </a:rPr>
+            </a:br>
+            <a:r>
+              <a:rPr lang="en-US">
+                <a:sym typeface="Symbol" panose="05050102010706020507" pitchFamily="18" charset="2"/>
+              </a:rPr>
+              <a:t>co-occur across documents</a:t>
             </a:r>
           </a:p>
           <a:p>
@@ -15075,10 +15099,7 @@
               <a:rPr lang="en-US" b="1"/>
               <a:t>Details</a:t>
             </a:r>
-            <a:r>
-              <a:rPr lang="en-US"/>
-              <a:t>:</a:t>
-            </a:r>
+            <a:endParaRPr lang="en-US"/>
           </a:p>
           <a:p>
             <a:pPr lvl="2"/>
@@ -15393,10 +15414,7 @@
               <a:rPr lang="en-US" b="1"/>
               <a:t>Assumptions</a:t>
             </a:r>
-            <a:r>
-              <a:rPr lang="en-US"/>
-              <a:t>:</a:t>
-            </a:r>
+            <a:endParaRPr lang="en-US"/>
           </a:p>
           <a:p>
             <a:pPr lvl="2"/>
@@ -15671,7 +15689,7 @@
           <a:p>
             <a:r>
               <a:rPr lang="en-US" b="1"/>
-              <a:t>Word / character </a:t>
+              <a:t>Word/character </a:t>
             </a:r>
             <a:r>
               <a:rPr lang="en-US" b="1" i="1"/>
@@ -15699,10 +15717,7 @@
               <a:rPr lang="en-US" b="1"/>
               <a:t>Details</a:t>
             </a:r>
-            <a:r>
-              <a:rPr lang="en-US"/>
-              <a:t>:</a:t>
-            </a:r>
+            <a:endParaRPr lang="en-US"/>
           </a:p>
           <a:p>
             <a:pPr lvl="2"/>
@@ -15720,7 +15735,7 @@
             </a:r>
             <a:r>
               <a:rPr lang="en-US"/>
-              <a:t> words / characters – somewhat mitigating BOW effect</a:t>
+              <a:t> words/characters – somewhat mitigating BOW effect</a:t>
             </a:r>
           </a:p>
           <a:p>
@@ -15886,14 +15901,14 @@
           <p:nvPr>
             <p:extLst>
               <p:ext uri="{D42A27DB-BD31-4B8C-83A1-F6EECF244321}">
-                <p14:modId xmlns:p14="http://schemas.microsoft.com/office/powerpoint/2010/main" val="2021410605"/>
+                <p14:modId xmlns:p14="http://schemas.microsoft.com/office/powerpoint/2010/main" val="3062237653"/>
               </p:ext>
             </p:extLst>
           </p:nvPr>
         </p:nvGraphicFramePr>
         <p:xfrm>
-          <a:off x="1066781" y="5636167"/>
-          <a:ext cx="10287008" cy="670560"/>
+          <a:off x="1181099" y="5636167"/>
+          <a:ext cx="10172688" cy="670560"/>
         </p:xfrm>
         <a:graphic>
           <a:graphicData uri="http://schemas.openxmlformats.org/drawingml/2006/table">
@@ -15902,112 +15917,112 @@
                 <a:tableStyleId>{5940675A-B579-460E-94D1-54222C63F5DA}</a:tableStyleId>
               </a:tblPr>
               <a:tblGrid>
-                <a:gridCol w="642938">
+                <a:gridCol w="635793">
                   <a:extLst>
                     <a:ext uri="{9D8B030D-6E8A-4147-A177-3AD203B41FA5}">
                       <a16:colId xmlns:a16="http://schemas.microsoft.com/office/drawing/2014/main" val="2623701309"/>
                     </a:ext>
                   </a:extLst>
                 </a:gridCol>
-                <a:gridCol w="642938">
+                <a:gridCol w="635793">
                   <a:extLst>
                     <a:ext uri="{9D8B030D-6E8A-4147-A177-3AD203B41FA5}">
                       <a16:colId xmlns:a16="http://schemas.microsoft.com/office/drawing/2014/main" val="1729904020"/>
                     </a:ext>
                   </a:extLst>
                 </a:gridCol>
-                <a:gridCol w="642938">
+                <a:gridCol w="635793">
                   <a:extLst>
                     <a:ext uri="{9D8B030D-6E8A-4147-A177-3AD203B41FA5}">
                       <a16:colId xmlns:a16="http://schemas.microsoft.com/office/drawing/2014/main" val="180927769"/>
                     </a:ext>
                   </a:extLst>
                 </a:gridCol>
-                <a:gridCol w="642938">
+                <a:gridCol w="635793">
                   <a:extLst>
                     <a:ext uri="{9D8B030D-6E8A-4147-A177-3AD203B41FA5}">
                       <a16:colId xmlns:a16="http://schemas.microsoft.com/office/drawing/2014/main" val="1243734057"/>
                     </a:ext>
                   </a:extLst>
                 </a:gridCol>
-                <a:gridCol w="642938">
+                <a:gridCol w="635793">
                   <a:extLst>
                     <a:ext uri="{9D8B030D-6E8A-4147-A177-3AD203B41FA5}">
                       <a16:colId xmlns:a16="http://schemas.microsoft.com/office/drawing/2014/main" val="1065436770"/>
                     </a:ext>
                   </a:extLst>
                 </a:gridCol>
-                <a:gridCol w="642938">
+                <a:gridCol w="635793">
                   <a:extLst>
                     <a:ext uri="{9D8B030D-6E8A-4147-A177-3AD203B41FA5}">
                       <a16:colId xmlns:a16="http://schemas.microsoft.com/office/drawing/2014/main" val="1725686100"/>
                     </a:ext>
                   </a:extLst>
                 </a:gridCol>
-                <a:gridCol w="642938">
+                <a:gridCol w="635793">
                   <a:extLst>
                     <a:ext uri="{9D8B030D-6E8A-4147-A177-3AD203B41FA5}">
                       <a16:colId xmlns:a16="http://schemas.microsoft.com/office/drawing/2014/main" val="341384362"/>
                     </a:ext>
                   </a:extLst>
                 </a:gridCol>
-                <a:gridCol w="642938">
+                <a:gridCol w="635793">
                   <a:extLst>
                     <a:ext uri="{9D8B030D-6E8A-4147-A177-3AD203B41FA5}">
                       <a16:colId xmlns:a16="http://schemas.microsoft.com/office/drawing/2014/main" val="3576258105"/>
                     </a:ext>
                   </a:extLst>
                 </a:gridCol>
-                <a:gridCol w="642938">
+                <a:gridCol w="635793">
                   <a:extLst>
                     <a:ext uri="{9D8B030D-6E8A-4147-A177-3AD203B41FA5}">
                       <a16:colId xmlns:a16="http://schemas.microsoft.com/office/drawing/2014/main" val="3047185337"/>
                     </a:ext>
                   </a:extLst>
                 </a:gridCol>
-                <a:gridCol w="642938">
+                <a:gridCol w="635793">
                   <a:extLst>
                     <a:ext uri="{9D8B030D-6E8A-4147-A177-3AD203B41FA5}">
                       <a16:colId xmlns:a16="http://schemas.microsoft.com/office/drawing/2014/main" val="1753347057"/>
                     </a:ext>
                   </a:extLst>
                 </a:gridCol>
-                <a:gridCol w="642938">
+                <a:gridCol w="635793">
                   <a:extLst>
                     <a:ext uri="{9D8B030D-6E8A-4147-A177-3AD203B41FA5}">
                       <a16:colId xmlns:a16="http://schemas.microsoft.com/office/drawing/2014/main" val="1905415076"/>
                     </a:ext>
                   </a:extLst>
                 </a:gridCol>
-                <a:gridCol w="642938">
+                <a:gridCol w="635793">
                   <a:extLst>
                     <a:ext uri="{9D8B030D-6E8A-4147-A177-3AD203B41FA5}">
                       <a16:colId xmlns:a16="http://schemas.microsoft.com/office/drawing/2014/main" val="1825097257"/>
                     </a:ext>
                   </a:extLst>
                 </a:gridCol>
-                <a:gridCol w="642938">
+                <a:gridCol w="635793">
                   <a:extLst>
                     <a:ext uri="{9D8B030D-6E8A-4147-A177-3AD203B41FA5}">
                       <a16:colId xmlns:a16="http://schemas.microsoft.com/office/drawing/2014/main" val="1728392291"/>
                     </a:ext>
                   </a:extLst>
                 </a:gridCol>
-                <a:gridCol w="642938">
+                <a:gridCol w="635793">
                   <a:extLst>
                     <a:ext uri="{9D8B030D-6E8A-4147-A177-3AD203B41FA5}">
                       <a16:colId xmlns:a16="http://schemas.microsoft.com/office/drawing/2014/main" val="501916568"/>
                     </a:ext>
                   </a:extLst>
                 </a:gridCol>
-                <a:gridCol w="642938">
+                <a:gridCol w="635793">
                   <a:extLst>
                     <a:ext uri="{9D8B030D-6E8A-4147-A177-3AD203B41FA5}">
                       <a16:colId xmlns:a16="http://schemas.microsoft.com/office/drawing/2014/main" val="3809760068"/>
                     </a:ext>
                   </a:extLst>
                 </a:gridCol>
-                <a:gridCol w="642938">
+                <a:gridCol w="635793">
                   <a:extLst>
                     <a:ext uri="{9D8B030D-6E8A-4147-A177-3AD203B41FA5}">
                       <a16:colId xmlns:a16="http://schemas.microsoft.com/office/drawing/2014/main" val="1306519747"/>
@@ -16561,10 +16576,7 @@
               <a:rPr lang="en-US" b="1"/>
               <a:t>Details</a:t>
             </a:r>
-            <a:r>
-              <a:rPr lang="en-US"/>
-              <a:t>:</a:t>
-            </a:r>
+            <a:endParaRPr lang="en-US"/>
           </a:p>
           <a:p>
             <a:pPr lvl="2"/>
@@ -16588,7 +16600,7 @@
             </a:r>
             <a:r>
               <a:rPr lang="en-US"/>
-              <a:t>: presence of many adverbs/adjectives might be indicative of sentiments.</a:t>
+              <a:t>: presence of many adverbs/adjectives indicative of sentiments</a:t>
             </a:r>
           </a:p>
           <a:p>
@@ -16689,14 +16701,14 @@
           <p:nvPr>
             <p:extLst>
               <p:ext uri="{D42A27DB-BD31-4B8C-83A1-F6EECF244321}">
-                <p14:modId xmlns:p14="http://schemas.microsoft.com/office/powerpoint/2010/main" val="921580760"/>
+                <p14:modId xmlns:p14="http://schemas.microsoft.com/office/powerpoint/2010/main" val="4210220094"/>
               </p:ext>
             </p:extLst>
           </p:nvPr>
         </p:nvGraphicFramePr>
         <p:xfrm>
-          <a:off x="1066781" y="5636167"/>
-          <a:ext cx="10287000" cy="670560"/>
+          <a:off x="1181100" y="5636167"/>
+          <a:ext cx="10172680" cy="670560"/>
         </p:xfrm>
         <a:graphic>
           <a:graphicData uri="http://schemas.openxmlformats.org/drawingml/2006/table">
@@ -16705,56 +16717,56 @@
                 <a:tableStyleId>{5940675A-B579-460E-94D1-54222C63F5DA}</a:tableStyleId>
               </a:tblPr>
               <a:tblGrid>
-                <a:gridCol w="1285875">
+                <a:gridCol w="1271585">
                   <a:extLst>
                     <a:ext uri="{9D8B030D-6E8A-4147-A177-3AD203B41FA5}">
                       <a16:colId xmlns:a16="http://schemas.microsoft.com/office/drawing/2014/main" val="2623701309"/>
                     </a:ext>
                   </a:extLst>
                 </a:gridCol>
-                <a:gridCol w="1285875">
+                <a:gridCol w="1271585">
                   <a:extLst>
                     <a:ext uri="{9D8B030D-6E8A-4147-A177-3AD203B41FA5}">
                       <a16:colId xmlns:a16="http://schemas.microsoft.com/office/drawing/2014/main" val="1729904020"/>
                     </a:ext>
                   </a:extLst>
                 </a:gridCol>
-                <a:gridCol w="1285875">
+                <a:gridCol w="1271585">
                   <a:extLst>
                     <a:ext uri="{9D8B030D-6E8A-4147-A177-3AD203B41FA5}">
                       <a16:colId xmlns:a16="http://schemas.microsoft.com/office/drawing/2014/main" val="180927769"/>
                     </a:ext>
                   </a:extLst>
                 </a:gridCol>
-                <a:gridCol w="1285875">
+                <a:gridCol w="1271585">
                   <a:extLst>
                     <a:ext uri="{9D8B030D-6E8A-4147-A177-3AD203B41FA5}">
                       <a16:colId xmlns:a16="http://schemas.microsoft.com/office/drawing/2014/main" val="1243734057"/>
                     </a:ext>
                   </a:extLst>
                 </a:gridCol>
-                <a:gridCol w="1285875">
+                <a:gridCol w="1271585">
                   <a:extLst>
                     <a:ext uri="{9D8B030D-6E8A-4147-A177-3AD203B41FA5}">
                       <a16:colId xmlns:a16="http://schemas.microsoft.com/office/drawing/2014/main" val="1065436770"/>
                     </a:ext>
                   </a:extLst>
                 </a:gridCol>
-                <a:gridCol w="1285875">
+                <a:gridCol w="1271585">
                   <a:extLst>
                     <a:ext uri="{9D8B030D-6E8A-4147-A177-3AD203B41FA5}">
                       <a16:colId xmlns:a16="http://schemas.microsoft.com/office/drawing/2014/main" val="1725686100"/>
                     </a:ext>
                   </a:extLst>
                 </a:gridCol>
-                <a:gridCol w="1285875">
+                <a:gridCol w="1271585">
                   <a:extLst>
                     <a:ext uri="{9D8B030D-6E8A-4147-A177-3AD203B41FA5}">
                       <a16:colId xmlns:a16="http://schemas.microsoft.com/office/drawing/2014/main" val="341384362"/>
                     </a:ext>
                   </a:extLst>
                 </a:gridCol>
-                <a:gridCol w="1285875">
+                <a:gridCol w="1271585">
                   <a:extLst>
                     <a:ext uri="{9D8B030D-6E8A-4147-A177-3AD203B41FA5}">
                       <a16:colId xmlns:a16="http://schemas.microsoft.com/office/drawing/2014/main" val="3576258105"/>
@@ -17165,30 +17177,27 @@
               <a:rPr lang="en-US" b="1"/>
               <a:t>Details</a:t>
             </a:r>
+            <a:endParaRPr lang="en-US"/>
+          </a:p>
+          <a:p>
+            <a:pPr lvl="2"/>
             <a:r>
               <a:rPr lang="en-US"/>
-              <a:t>:</a:t>
+              <a:t>Emojis: count/assign polarity</a:t>
             </a:r>
           </a:p>
           <a:p>
             <a:pPr lvl="2"/>
             <a:r>
               <a:rPr lang="en-US"/>
-              <a:t>Emojis: count / assign polarity</a:t>
+              <a:t>Hashtags: count/mine (for topics, meaning, ...)</a:t>
             </a:r>
           </a:p>
           <a:p>
             <a:pPr lvl="2"/>
             <a:r>
               <a:rPr lang="en-US"/>
-              <a:t>Hashtags: count / mine (for topics, meaning, ...)</a:t>
-            </a:r>
-          </a:p>
-          <a:p>
-            <a:pPr lvl="2"/>
-            <a:r>
-              <a:rPr lang="en-US"/>
-              <a:t>Tags: count / mine</a:t>
+              <a:t>Tags: count/mine</a:t>
             </a:r>
           </a:p>
           <a:p>
@@ -17285,7 +17294,7 @@
         </p:nvSpPr>
         <p:spPr>
           <a:xfrm>
-            <a:off x="1066795" y="5834811"/>
+            <a:off x="1271585" y="5834811"/>
             <a:ext cx="9648830" cy="461665"/>
           </a:xfrm>
           <a:prstGeom prst="rect">
@@ -17868,7 +17877,13 @@
       </p:grpSpPr>
       <p:sp>
         <p:nvSpPr>
-          <p:cNvPr id="3" name="Inhaltsplatzhalter 2"/>
+          <p:cNvPr id="3" name="Content Placeholder 2">
+            <a:extLst>
+              <a:ext uri="{FF2B5EF4-FFF2-40B4-BE49-F238E27FC236}">
+                <a16:creationId xmlns:a16="http://schemas.microsoft.com/office/drawing/2014/main" id="{FA1390B1-7E9D-43A0-87DA-DCA86641596C}"/>
+              </a:ext>
+            </a:extLst>
+          </p:cNvPr>
           <p:cNvSpPr>
             <a:spLocks noGrp="1"/>
           </p:cNvSpPr>
@@ -17878,8 +17893,8 @@
         </p:nvSpPr>
         <p:spPr>
           <a:xfrm>
-            <a:off x="838200" y="689811"/>
-            <a:ext cx="10515600" cy="5487152"/>
+            <a:off x="1066800" y="548640"/>
+            <a:ext cx="10287000" cy="6309360"/>
           </a:xfrm>
         </p:spPr>
         <p:txBody>
@@ -17888,19 +17903,97 @@
           </a:bodyPr>
           <a:lstStyle/>
           <a:p>
-            <a:endParaRPr lang="en-GB" dirty="0"/>
-          </a:p>
-          <a:p>
-            <a:endParaRPr lang="en-GB" u="sng" dirty="0"/>
-          </a:p>
-          <a:p>
-            <a:endParaRPr lang="en-US" dirty="0"/>
-          </a:p>
-        </p:txBody>
-      </p:sp>
-      <p:sp>
-        <p:nvSpPr>
-          <p:cNvPr id="4" name="Foliennummernplatzhalter 3"/>
+            <a:pPr marL="0" indent="0">
+              <a:buNone/>
+            </a:pPr>
+            <a:r>
+              <a:rPr lang="en-US" sz="2000"/>
+              <a:t>Berry, M., and Kogan, J. (2010): Text Mining. Applications and Theory, John Wiley &amp; Sons, Inc.</a:t>
+            </a:r>
+          </a:p>
+          <a:p>
+            <a:pPr marL="0" indent="0">
+              <a:buNone/>
+            </a:pPr>
+            <a:r>
+              <a:rPr lang="en-US" sz="2000"/>
+              <a:t>Kearney, M., Heiss, A., and Briatte, F. (2020): rtweet. Collecting Twitter Data, R package version 0.7.0, URL: https://CRAN.R-project.org/package=rtweet </a:t>
+            </a:r>
+          </a:p>
+          <a:p>
+            <a:pPr marL="0" indent="0">
+              <a:buNone/>
+            </a:pPr>
+            <a:r>
+              <a:rPr lang="en-US" sz="2000"/>
+              <a:t>Miner, G., Elder IV, J., Fast, A., Hill, T., Nisbet, R. and Delen, D. (2012): Practical Text Mining and Statistical Analysis for Non-Structured Text Data Applications, Academic Press. </a:t>
+            </a:r>
+          </a:p>
+          <a:p>
+            <a:pPr marL="0" indent="0">
+              <a:buNone/>
+            </a:pPr>
+            <a:r>
+              <a:rPr lang="en-US" sz="2000"/>
+              <a:t>Munzert, S., Rubba, C., Meißner, P., and Nyhuis, D. (2015): Automated Data Collection with R : A Practical Guide to Web Scraping and Text Mining, John Wiley &amp; Sons, Inc.</a:t>
+            </a:r>
+          </a:p>
+          <a:p>
+            <a:pPr marL="0" indent="0">
+              <a:buNone/>
+            </a:pPr>
+            <a:r>
+              <a:rPr lang="en-US" sz="2000"/>
+              <a:t>Silge, J. (2017): Text Mining with R. A Tidy Approach, O’Reilly.</a:t>
+            </a:r>
+          </a:p>
+          <a:p>
+            <a:pPr marL="0" indent="0">
+              <a:buNone/>
+            </a:pPr>
+            <a:r>
+              <a:rPr lang="en-US" sz="2000"/>
+              <a:t>Wickham, H (2019): stringr. Simple, Consistent Wrappers for Common String Operations, R package version 1.4.0, URL: https://CRAN.R-project.org/package=stringr</a:t>
+            </a:r>
+          </a:p>
+          <a:p>
+            <a:pPr marL="0" indent="0">
+              <a:buNone/>
+            </a:pPr>
+            <a:r>
+              <a:rPr lang="en-US" sz="2000"/>
+              <a:t>Wickham, H (2021): rvest. Easily Harvest (Scrape) Web Pages, R package version 1.0.0, URL: https://CRAN.R-project.org/package=rvest</a:t>
+            </a:r>
+          </a:p>
+          <a:p>
+            <a:pPr marL="0" indent="0">
+              <a:buNone/>
+            </a:pPr>
+            <a:endParaRPr lang="en-US" sz="2000"/>
+          </a:p>
+          <a:p>
+            <a:pPr marL="0" indent="0">
+              <a:buNone/>
+            </a:pPr>
+            <a:endParaRPr lang="en-US" sz="2000"/>
+          </a:p>
+          <a:p>
+            <a:pPr marL="0" indent="0">
+              <a:buNone/>
+            </a:pPr>
+            <a:endParaRPr lang="en-US" sz="2000"/>
+          </a:p>
+        </p:txBody>
+      </p:sp>
+      <p:sp>
+        <p:nvSpPr>
+          <p:cNvPr id="4" name="Slide Number Placeholder 3">
+            <a:extLst>
+              <a:ext uri="{FF2B5EF4-FFF2-40B4-BE49-F238E27FC236}">
+                <a16:creationId xmlns:a16="http://schemas.microsoft.com/office/drawing/2014/main" id="{50955CD9-AF86-42B8-87B9-3C611402B212}"/>
+              </a:ext>
+            </a:extLst>
+          </p:cNvPr>
           <p:cNvSpPr>
             <a:spLocks noGrp="1"/>
           </p:cNvSpPr>
@@ -17921,388 +18014,10 @@
           </a:p>
         </p:txBody>
       </p:sp>
-      <p:sp>
-        <p:nvSpPr>
-          <p:cNvPr id="5" name="Inhaltsplatzhalter 2"/>
-          <p:cNvSpPr txBox="1">
-            <a:spLocks/>
-          </p:cNvSpPr>
-          <p:nvPr/>
-        </p:nvSpPr>
-        <p:spPr>
-          <a:xfrm>
-            <a:off x="838200" y="1825625"/>
-            <a:ext cx="10515600" cy="4351338"/>
-          </a:xfrm>
-          <a:prstGeom prst="rect">
-            <a:avLst/>
-          </a:prstGeom>
-        </p:spPr>
-        <p:txBody>
-          <a:bodyPr vert="horz" lIns="91440" tIns="45720" rIns="91440" bIns="45720" rtlCol="0">
-            <a:normAutofit fontScale="77500" lnSpcReduction="20000"/>
-          </a:bodyPr>
-          <a:lstStyle>
-            <a:lvl1pPr marL="228600" indent="-228600" algn="l" defTabSz="914400" rtl="0" eaLnBrk="1" latinLnBrk="0" hangingPunct="1">
-              <a:lnSpc>
-                <a:spcPct val="90000"/>
-              </a:lnSpc>
-              <a:spcBef>
-                <a:spcPts val="1000"/>
-              </a:spcBef>
-              <a:buFont typeface="Arial" panose="020B0604020202020204" pitchFamily="34" charset="0"/>
-              <a:buChar char="•"/>
-              <a:defRPr sz="2800" kern="1200">
-                <a:solidFill>
-                  <a:schemeClr val="tx1"/>
-                </a:solidFill>
-                <a:latin typeface="+mn-lt"/>
-                <a:ea typeface="+mn-ea"/>
-                <a:cs typeface="+mn-cs"/>
-              </a:defRPr>
-            </a:lvl1pPr>
-            <a:lvl2pPr marL="685800" indent="-228600" algn="l" defTabSz="914400" rtl="0" eaLnBrk="1" latinLnBrk="0" hangingPunct="1">
-              <a:lnSpc>
-                <a:spcPct val="90000"/>
-              </a:lnSpc>
-              <a:spcBef>
-                <a:spcPts val="500"/>
-              </a:spcBef>
-              <a:buFont typeface="Arial" panose="020B0604020202020204" pitchFamily="34" charset="0"/>
-              <a:buChar char="•"/>
-              <a:defRPr sz="2400" kern="1200">
-                <a:solidFill>
-                  <a:schemeClr val="tx1"/>
-                </a:solidFill>
-                <a:latin typeface="+mn-lt"/>
-                <a:ea typeface="+mn-ea"/>
-                <a:cs typeface="+mn-cs"/>
-              </a:defRPr>
-            </a:lvl2pPr>
-            <a:lvl3pPr marL="1143000" indent="-228600" algn="l" defTabSz="914400" rtl="0" eaLnBrk="1" latinLnBrk="0" hangingPunct="1">
-              <a:lnSpc>
-                <a:spcPct val="90000"/>
-              </a:lnSpc>
-              <a:spcBef>
-                <a:spcPts val="500"/>
-              </a:spcBef>
-              <a:buFont typeface="Arial" panose="020B0604020202020204" pitchFamily="34" charset="0"/>
-              <a:buChar char="•"/>
-              <a:defRPr sz="2000" kern="1200">
-                <a:solidFill>
-                  <a:schemeClr val="tx1"/>
-                </a:solidFill>
-                <a:latin typeface="+mn-lt"/>
-                <a:ea typeface="+mn-ea"/>
-                <a:cs typeface="+mn-cs"/>
-              </a:defRPr>
-            </a:lvl3pPr>
-            <a:lvl4pPr marL="1600200" indent="-228600" algn="l" defTabSz="914400" rtl="0" eaLnBrk="1" latinLnBrk="0" hangingPunct="1">
-              <a:lnSpc>
-                <a:spcPct val="90000"/>
-              </a:lnSpc>
-              <a:spcBef>
-                <a:spcPts val="500"/>
-              </a:spcBef>
-              <a:buFont typeface="Arial" panose="020B0604020202020204" pitchFamily="34" charset="0"/>
-              <a:buChar char="•"/>
-              <a:defRPr sz="1800" kern="1200">
-                <a:solidFill>
-                  <a:schemeClr val="tx1"/>
-                </a:solidFill>
-                <a:latin typeface="+mn-lt"/>
-                <a:ea typeface="+mn-ea"/>
-                <a:cs typeface="+mn-cs"/>
-              </a:defRPr>
-            </a:lvl4pPr>
-            <a:lvl5pPr marL="2057400" indent="-228600" algn="l" defTabSz="914400" rtl="0" eaLnBrk="1" latinLnBrk="0" hangingPunct="1">
-              <a:lnSpc>
-                <a:spcPct val="90000"/>
-              </a:lnSpc>
-              <a:spcBef>
-                <a:spcPts val="500"/>
-              </a:spcBef>
-              <a:buFont typeface="Arial" panose="020B0604020202020204" pitchFamily="34" charset="0"/>
-              <a:buChar char="•"/>
-              <a:defRPr sz="1800" kern="1200">
-                <a:solidFill>
-                  <a:schemeClr val="tx1"/>
-                </a:solidFill>
-                <a:latin typeface="+mn-lt"/>
-                <a:ea typeface="+mn-ea"/>
-                <a:cs typeface="+mn-cs"/>
-              </a:defRPr>
-            </a:lvl5pPr>
-            <a:lvl6pPr marL="2514600" indent="-228600" algn="l" defTabSz="914400" rtl="0" eaLnBrk="1" latinLnBrk="0" hangingPunct="1">
-              <a:lnSpc>
-                <a:spcPct val="90000"/>
-              </a:lnSpc>
-              <a:spcBef>
-                <a:spcPts val="500"/>
-              </a:spcBef>
-              <a:buFont typeface="Arial" panose="020B0604020202020204" pitchFamily="34" charset="0"/>
-              <a:buChar char="•"/>
-              <a:defRPr sz="1800" kern="1200">
-                <a:solidFill>
-                  <a:schemeClr val="tx1"/>
-                </a:solidFill>
-                <a:latin typeface="+mn-lt"/>
-                <a:ea typeface="+mn-ea"/>
-                <a:cs typeface="+mn-cs"/>
-              </a:defRPr>
-            </a:lvl6pPr>
-            <a:lvl7pPr marL="2971800" indent="-228600" algn="l" defTabSz="914400" rtl="0" eaLnBrk="1" latinLnBrk="0" hangingPunct="1">
-              <a:lnSpc>
-                <a:spcPct val="90000"/>
-              </a:lnSpc>
-              <a:spcBef>
-                <a:spcPts val="500"/>
-              </a:spcBef>
-              <a:buFont typeface="Arial" panose="020B0604020202020204" pitchFamily="34" charset="0"/>
-              <a:buChar char="•"/>
-              <a:defRPr sz="1800" kern="1200">
-                <a:solidFill>
-                  <a:schemeClr val="tx1"/>
-                </a:solidFill>
-                <a:latin typeface="+mn-lt"/>
-                <a:ea typeface="+mn-ea"/>
-                <a:cs typeface="+mn-cs"/>
-              </a:defRPr>
-            </a:lvl7pPr>
-            <a:lvl8pPr marL="3429000" indent="-228600" algn="l" defTabSz="914400" rtl="0" eaLnBrk="1" latinLnBrk="0" hangingPunct="1">
-              <a:lnSpc>
-                <a:spcPct val="90000"/>
-              </a:lnSpc>
-              <a:spcBef>
-                <a:spcPts val="500"/>
-              </a:spcBef>
-              <a:buFont typeface="Arial" panose="020B0604020202020204" pitchFamily="34" charset="0"/>
-              <a:buChar char="•"/>
-              <a:defRPr sz="1800" kern="1200">
-                <a:solidFill>
-                  <a:schemeClr val="tx1"/>
-                </a:solidFill>
-                <a:latin typeface="+mn-lt"/>
-                <a:ea typeface="+mn-ea"/>
-                <a:cs typeface="+mn-cs"/>
-              </a:defRPr>
-            </a:lvl8pPr>
-            <a:lvl9pPr marL="3886200" indent="-228600" algn="l" defTabSz="914400" rtl="0" eaLnBrk="1" latinLnBrk="0" hangingPunct="1">
-              <a:lnSpc>
-                <a:spcPct val="90000"/>
-              </a:lnSpc>
-              <a:spcBef>
-                <a:spcPts val="500"/>
-              </a:spcBef>
-              <a:buFont typeface="Arial" panose="020B0604020202020204" pitchFamily="34" charset="0"/>
-              <a:buChar char="•"/>
-              <a:defRPr sz="1800" kern="1200">
-                <a:solidFill>
-                  <a:schemeClr val="tx1"/>
-                </a:solidFill>
-                <a:latin typeface="+mn-lt"/>
-                <a:ea typeface="+mn-ea"/>
-                <a:cs typeface="+mn-cs"/>
-              </a:defRPr>
-            </a:lvl9pPr>
-          </a:lstStyle>
-          <a:p>
-            <a:r>
-              <a:rPr lang="en-US" dirty="0">
-                <a:hlinkClick r:id="rId2"/>
-              </a:rPr>
-              <a:t>https://www.analyticsvidhya.com/blog/2015/10/beginner-guide-web-scraping-beautiful-soup-python/</a:t>
-            </a:r>
-            <a:r>
-              <a:rPr lang="en-US" dirty="0"/>
-              <a:t> (Guide to </a:t>
-            </a:r>
-            <a:r>
-              <a:rPr lang="en-US" dirty="0" err="1"/>
-              <a:t>webscraping</a:t>
-            </a:r>
-            <a:r>
-              <a:rPr lang="en-US" dirty="0"/>
-              <a:t> in python)</a:t>
-            </a:r>
-          </a:p>
-          <a:p>
-            <a:r>
-              <a:rPr lang="en-US" dirty="0">
-                <a:hlinkClick r:id="rId3"/>
-              </a:rPr>
-              <a:t>https://flukeout.github.io/#</a:t>
-            </a:r>
-            <a:r>
-              <a:rPr lang="en-US" dirty="0"/>
-              <a:t> (understand </a:t>
-            </a:r>
-            <a:r>
-              <a:rPr lang="en-US" dirty="0" err="1"/>
-              <a:t>css</a:t>
-            </a:r>
-            <a:r>
-              <a:rPr lang="en-US" dirty="0"/>
-              <a:t>)</a:t>
-            </a:r>
-          </a:p>
-          <a:p>
-            <a:r>
-              <a:rPr lang="en-US" dirty="0">
-                <a:hlinkClick r:id="rId4"/>
-              </a:rPr>
-              <a:t>https://selectorgadget.com/</a:t>
-            </a:r>
-            <a:r>
-              <a:rPr lang="en-US" dirty="0"/>
-              <a:t> (more on selector gadget)</a:t>
-            </a:r>
-          </a:p>
-          <a:p>
-            <a:r>
-              <a:rPr lang="en-US" dirty="0">
-                <a:hlinkClick r:id="rId5"/>
-              </a:rPr>
-              <a:t>https://cran.r-project.org/web/packages/rtweet/rtweet.pdf</a:t>
-            </a:r>
-            <a:endParaRPr lang="en-US" dirty="0"/>
-          </a:p>
-          <a:p>
-            <a:r>
-              <a:rPr lang="en-US" dirty="0">
-                <a:hlinkClick r:id="rId6"/>
-              </a:rPr>
-              <a:t>https://rtweet-workshop.mikewk.com/#1</a:t>
-            </a:r>
-            <a:endParaRPr lang="en-US" dirty="0"/>
-          </a:p>
-          <a:p>
-            <a:r>
-              <a:rPr lang="en-US" dirty="0">
-                <a:hlinkClick r:id="rId7"/>
-              </a:rPr>
-              <a:t>https://docs.tweepy.org/en/latest/</a:t>
-            </a:r>
-            <a:r>
-              <a:rPr lang="en-US" dirty="0"/>
-              <a:t> (scrape tweets in python)</a:t>
-            </a:r>
-          </a:p>
-          <a:p>
-            <a:r>
-              <a:rPr lang="en-US" dirty="0">
-                <a:hlinkClick r:id="rId8"/>
-              </a:rPr>
-              <a:t>https://r4ds.had.co.nz/strings.html</a:t>
-            </a:r>
-            <a:r>
-              <a:rPr lang="en-US" dirty="0"/>
-              <a:t> (book R for data science, regex)</a:t>
-            </a:r>
-          </a:p>
-          <a:p>
-            <a:r>
-              <a:rPr lang="en-US" dirty="0">
-                <a:hlinkClick r:id="rId9"/>
-              </a:rPr>
-              <a:t>https://www.rstudio.com/wp-content/uploads/2016/09/RegExCheatsheet.pdf</a:t>
-            </a:r>
-            <a:r>
-              <a:rPr lang="en-US" dirty="0"/>
-              <a:t> (</a:t>
-            </a:r>
-            <a:r>
-              <a:rPr lang="en-US" dirty="0" err="1"/>
-              <a:t>cheatsheet</a:t>
-            </a:r>
-            <a:r>
-              <a:rPr lang="en-US" dirty="0"/>
-              <a:t> regex)</a:t>
-            </a:r>
-          </a:p>
-          <a:p>
-            <a:r>
-              <a:rPr lang="en-GB" dirty="0"/>
-              <a:t>Miner, G., Elder IV, J., Fast, A., Hill, T., </a:t>
-            </a:r>
-            <a:r>
-              <a:rPr lang="en-GB" dirty="0" err="1"/>
-              <a:t>Nisbet</a:t>
-            </a:r>
-            <a:r>
-              <a:rPr lang="en-GB" dirty="0"/>
-              <a:t>, R. and </a:t>
-            </a:r>
-            <a:r>
-              <a:rPr lang="en-GB" dirty="0" err="1"/>
-              <a:t>Delen</a:t>
-            </a:r>
-            <a:r>
-              <a:rPr lang="en-GB" dirty="0"/>
-              <a:t>, D. (2012). Practical text mining and statistical analysis for non-structured text data applications, Academic Press. (</a:t>
-            </a:r>
-            <a:r>
-              <a:rPr lang="en-GB"/>
-              <a:t>text normalization</a:t>
-            </a:r>
-            <a:endParaRPr lang="en-US" dirty="0"/>
-          </a:p>
-        </p:txBody>
-      </p:sp>
-      <p:sp>
-        <p:nvSpPr>
-          <p:cNvPr id="6" name="Rectangle 5">
-            <a:extLst>
-              <a:ext uri="{FF2B5EF4-FFF2-40B4-BE49-F238E27FC236}">
-                <a16:creationId xmlns:a16="http://schemas.microsoft.com/office/drawing/2014/main" id="{DED57BB2-6317-412A-B8B7-756839BF16F4}"/>
-              </a:ext>
-            </a:extLst>
-          </p:cNvPr>
-          <p:cNvSpPr/>
-          <p:nvPr/>
-        </p:nvSpPr>
-        <p:spPr>
-          <a:xfrm>
-            <a:off x="0" y="1954466"/>
-            <a:ext cx="12192000" cy="3364992"/>
-          </a:xfrm>
-          <a:prstGeom prst="rect">
-            <a:avLst/>
-          </a:prstGeom>
-        </p:spPr>
-        <p:style>
-          <a:lnRef idx="2">
-            <a:schemeClr val="accent2">
-              <a:shade val="50000"/>
-            </a:schemeClr>
-          </a:lnRef>
-          <a:fillRef idx="1">
-            <a:schemeClr val="accent2"/>
-          </a:fillRef>
-          <a:effectRef idx="0">
-            <a:schemeClr val="accent2"/>
-          </a:effectRef>
-          <a:fontRef idx="minor">
-            <a:schemeClr val="lt1"/>
-          </a:fontRef>
-        </p:style>
-        <p:txBody>
-          <a:bodyPr rtlCol="0" anchor="ctr"/>
-          <a:lstStyle/>
-          <a:p>
-            <a:pPr algn="ctr"/>
-            <a:r>
-              <a:rPr lang="de-DE"/>
-              <a:t>under construction</a:t>
-            </a:r>
-            <a:endParaRPr lang="en-US"/>
-          </a:p>
-        </p:txBody>
-      </p:sp>
     </p:spTree>
     <p:extLst>
       <p:ext uri="{BB962C8B-B14F-4D97-AF65-F5344CB8AC3E}">
-        <p14:creationId xmlns:p14="http://schemas.microsoft.com/office/powerpoint/2010/main" val="3812680250"/>
+        <p14:creationId xmlns:p14="http://schemas.microsoft.com/office/powerpoint/2010/main" val="2130856695"/>
       </p:ext>
     </p:extLst>
   </p:cSld>
@@ -19274,7 +18989,7 @@
         </p:blipFill>
         <p:spPr>
           <a:xfrm>
-            <a:off x="1066798" y="3054388"/>
+            <a:off x="1419223" y="3054388"/>
             <a:ext cx="4165705" cy="3242088"/>
           </a:xfrm>
           <a:prstGeom prst="rect">
@@ -19284,9 +18999,9 @@
             <a:noFill/>
           </a:ln>
           <a:effectLst>
-            <a:outerShdw blurRad="292100" dist="139700" dir="2700000" algn="tl" rotWithShape="0">
-              <a:srgbClr val="333333">
-                <a:alpha val="65000"/>
+            <a:outerShdw blurRad="190500" algn="tl" rotWithShape="0">
+              <a:srgbClr val="000000">
+                <a:alpha val="70000"/>
               </a:srgbClr>
             </a:outerShdw>
           </a:effectLst>
@@ -19314,7 +19029,7 @@
         </p:blipFill>
         <p:spPr>
           <a:xfrm>
-            <a:off x="5662659" y="4665320"/>
+            <a:off x="6015084" y="4665320"/>
             <a:ext cx="4319541" cy="1631156"/>
           </a:xfrm>
           <a:prstGeom prst="rect">
@@ -19324,9 +19039,9 @@
             <a:noFill/>
           </a:ln>
           <a:effectLst>
-            <a:outerShdw blurRad="292100" dist="139700" dir="2700000" algn="tl" rotWithShape="0">
-              <a:srgbClr val="333333">
-                <a:alpha val="65000"/>
+            <a:outerShdw blurRad="190500" algn="tl" rotWithShape="0">
+              <a:srgbClr val="000000">
+                <a:alpha val="70000"/>
               </a:srgbClr>
             </a:outerShdw>
           </a:effectLst>
@@ -19363,7 +19078,7 @@
         </p:blipFill>
         <p:spPr>
           <a:xfrm rot="16200000" flipV="1">
-            <a:off x="5919397" y="3334667"/>
+            <a:off x="6271822" y="3334667"/>
             <a:ext cx="757629" cy="946296"/>
           </a:xfrm>
           <a:prstGeom prst="rect">

--- a/5_seminar/Contents_Part_02/slides/slides_II_1.pptx
+++ b/5_seminar/Contents_Part_02/slides/slides_II_1.pptx
@@ -235,7 +235,7 @@
           <a:p>
             <a:fld id="{7A5B87F2-13FD-4A24-9F19-39B31C60B536}" type="datetimeFigureOut">
               <a:rPr lang="en-US" smtClean="0"/>
-              <a:t>4/26/2021</a:t>
+              <a:t>4/27/2021</a:t>
             </a:fld>
             <a:endParaRPr lang="en-US"/>
           </a:p>
@@ -4255,7 +4255,7 @@
           <a:p>
             <a:fld id="{5A1811BA-6AD9-41A7-B7A2-456C8523519C}" type="datetime1">
               <a:rPr lang="en-US" smtClean="0"/>
-              <a:t>4/26/2021</a:t>
+              <a:t>4/27/2021</a:t>
             </a:fld>
             <a:endParaRPr lang="en-US"/>
           </a:p>
@@ -4425,7 +4425,7 @@
           <a:p>
             <a:fld id="{B0494441-C196-4BB0-93EE-AF22360207AB}" type="datetime1">
               <a:rPr lang="en-US" smtClean="0"/>
-              <a:t>4/26/2021</a:t>
+              <a:t>4/27/2021</a:t>
             </a:fld>
             <a:endParaRPr lang="en-US"/>
           </a:p>
@@ -4605,7 +4605,7 @@
           <a:p>
             <a:fld id="{D7B9282B-C3CE-4F56-8DD1-5349F982F1D2}" type="datetime1">
               <a:rPr lang="en-US" smtClean="0"/>
-              <a:t>4/26/2021</a:t>
+              <a:t>4/27/2021</a:t>
             </a:fld>
             <a:endParaRPr lang="en-US"/>
           </a:p>
@@ -4775,7 +4775,7 @@
           <a:p>
             <a:fld id="{E6E86D6A-786F-4E85-AF3B-385015383ABA}" type="datetime1">
               <a:rPr lang="en-US" smtClean="0"/>
-              <a:t>4/26/2021</a:t>
+              <a:t>4/27/2021</a:t>
             </a:fld>
             <a:endParaRPr lang="en-US"/>
           </a:p>
@@ -5021,7 +5021,7 @@
           <a:p>
             <a:fld id="{051FFEB0-9C80-4A34-A5C7-72D52D52FC7D}" type="datetime1">
               <a:rPr lang="en-US" smtClean="0"/>
-              <a:t>4/26/2021</a:t>
+              <a:t>4/27/2021</a:t>
             </a:fld>
             <a:endParaRPr lang="en-US"/>
           </a:p>
@@ -5253,7 +5253,7 @@
           <a:p>
             <a:fld id="{084267AD-C299-471B-ABA1-D0EA94C7EDCF}" type="datetime1">
               <a:rPr lang="en-US" smtClean="0"/>
-              <a:t>4/26/2021</a:t>
+              <a:t>4/27/2021</a:t>
             </a:fld>
             <a:endParaRPr lang="en-US"/>
           </a:p>
@@ -5620,7 +5620,7 @@
           <a:p>
             <a:fld id="{6468DBC7-10F8-46A1-8CE1-DBB0A6F0EF3E}" type="datetime1">
               <a:rPr lang="en-US" smtClean="0"/>
-              <a:t>4/26/2021</a:t>
+              <a:t>4/27/2021</a:t>
             </a:fld>
             <a:endParaRPr lang="en-US"/>
           </a:p>
@@ -5738,7 +5738,7 @@
           <a:p>
             <a:fld id="{0A97ED80-8DDA-43A7-A78F-B0542D691D0E}" type="datetime1">
               <a:rPr lang="en-US" smtClean="0"/>
-              <a:t>4/26/2021</a:t>
+              <a:t>4/27/2021</a:t>
             </a:fld>
             <a:endParaRPr lang="en-US"/>
           </a:p>
@@ -5833,7 +5833,7 @@
           <a:p>
             <a:fld id="{0AF827E6-45BA-40D2-98F2-BE4FFF095577}" type="datetime1">
               <a:rPr lang="en-US" smtClean="0"/>
-              <a:t>4/26/2021</a:t>
+              <a:t>4/27/2021</a:t>
             </a:fld>
             <a:endParaRPr lang="en-US"/>
           </a:p>
@@ -6110,7 +6110,7 @@
           <a:p>
             <a:fld id="{42BD114C-22EA-4B1A-A45B-ED6465C7BB4E}" type="datetime1">
               <a:rPr lang="en-US" smtClean="0"/>
-              <a:t>4/26/2021</a:t>
+              <a:t>4/27/2021</a:t>
             </a:fld>
             <a:endParaRPr lang="en-US"/>
           </a:p>
@@ -6363,7 +6363,7 @@
           <a:p>
             <a:fld id="{F46F8903-38BE-4FD8-98FC-E4EF771B2D8C}" type="datetime1">
               <a:rPr lang="en-US" smtClean="0"/>
-              <a:t>4/26/2021</a:t>
+              <a:t>4/27/2021</a:t>
             </a:fld>
             <a:endParaRPr lang="en-US"/>
           </a:p>
@@ -6576,7 +6576,7 @@
           <a:p>
             <a:fld id="{A91AC8C7-9CA9-4E83-8CE3-AD3BE4150B39}" type="datetime1">
               <a:rPr lang="en-US" smtClean="0"/>
-              <a:t>4/26/2021</a:t>
+              <a:t>4/27/2021</a:t>
             </a:fld>
             <a:endParaRPr lang="en-US"/>
           </a:p>

--- a/5_seminar/Contents_Part_02/slides/slides_II_1.pptx
+++ b/5_seminar/Contents_Part_02/slides/slides_II_1.pptx
@@ -235,7 +235,7 @@
           <a:p>
             <a:fld id="{7A5B87F2-13FD-4A24-9F19-39B31C60B536}" type="datetimeFigureOut">
               <a:rPr lang="en-US" smtClean="0"/>
-              <a:t>4/27/2021</a:t>
+              <a:t>5/1/2021</a:t>
             </a:fld>
             <a:endParaRPr lang="en-US"/>
           </a:p>
@@ -4255,7 +4255,7 @@
           <a:p>
             <a:fld id="{5A1811BA-6AD9-41A7-B7A2-456C8523519C}" type="datetime1">
               <a:rPr lang="en-US" smtClean="0"/>
-              <a:t>4/27/2021</a:t>
+              <a:t>5/1/2021</a:t>
             </a:fld>
             <a:endParaRPr lang="en-US"/>
           </a:p>
@@ -4425,7 +4425,7 @@
           <a:p>
             <a:fld id="{B0494441-C196-4BB0-93EE-AF22360207AB}" type="datetime1">
               <a:rPr lang="en-US" smtClean="0"/>
-              <a:t>4/27/2021</a:t>
+              <a:t>5/1/2021</a:t>
             </a:fld>
             <a:endParaRPr lang="en-US"/>
           </a:p>
@@ -4605,7 +4605,7 @@
           <a:p>
             <a:fld id="{D7B9282B-C3CE-4F56-8DD1-5349F982F1D2}" type="datetime1">
               <a:rPr lang="en-US" smtClean="0"/>
-              <a:t>4/27/2021</a:t>
+              <a:t>5/1/2021</a:t>
             </a:fld>
             <a:endParaRPr lang="en-US"/>
           </a:p>
@@ -4775,7 +4775,7 @@
           <a:p>
             <a:fld id="{E6E86D6A-786F-4E85-AF3B-385015383ABA}" type="datetime1">
               <a:rPr lang="en-US" smtClean="0"/>
-              <a:t>4/27/2021</a:t>
+              <a:t>5/1/2021</a:t>
             </a:fld>
             <a:endParaRPr lang="en-US"/>
           </a:p>
@@ -5021,7 +5021,7 @@
           <a:p>
             <a:fld id="{051FFEB0-9C80-4A34-A5C7-72D52D52FC7D}" type="datetime1">
               <a:rPr lang="en-US" smtClean="0"/>
-              <a:t>4/27/2021</a:t>
+              <a:t>5/1/2021</a:t>
             </a:fld>
             <a:endParaRPr lang="en-US"/>
           </a:p>
@@ -5253,7 +5253,7 @@
           <a:p>
             <a:fld id="{084267AD-C299-471B-ABA1-D0EA94C7EDCF}" type="datetime1">
               <a:rPr lang="en-US" smtClean="0"/>
-              <a:t>4/27/2021</a:t>
+              <a:t>5/1/2021</a:t>
             </a:fld>
             <a:endParaRPr lang="en-US"/>
           </a:p>
@@ -5620,7 +5620,7 @@
           <a:p>
             <a:fld id="{6468DBC7-10F8-46A1-8CE1-DBB0A6F0EF3E}" type="datetime1">
               <a:rPr lang="en-US" smtClean="0"/>
-              <a:t>4/27/2021</a:t>
+              <a:t>5/1/2021</a:t>
             </a:fld>
             <a:endParaRPr lang="en-US"/>
           </a:p>
@@ -5738,7 +5738,7 @@
           <a:p>
             <a:fld id="{0A97ED80-8DDA-43A7-A78F-B0542D691D0E}" type="datetime1">
               <a:rPr lang="en-US" smtClean="0"/>
-              <a:t>4/27/2021</a:t>
+              <a:t>5/1/2021</a:t>
             </a:fld>
             <a:endParaRPr lang="en-US"/>
           </a:p>
@@ -5833,7 +5833,7 @@
           <a:p>
             <a:fld id="{0AF827E6-45BA-40D2-98F2-BE4FFF095577}" type="datetime1">
               <a:rPr lang="en-US" smtClean="0"/>
-              <a:t>4/27/2021</a:t>
+              <a:t>5/1/2021</a:t>
             </a:fld>
             <a:endParaRPr lang="en-US"/>
           </a:p>
@@ -6110,7 +6110,7 @@
           <a:p>
             <a:fld id="{42BD114C-22EA-4B1A-A45B-ED6465C7BB4E}" type="datetime1">
               <a:rPr lang="en-US" smtClean="0"/>
-              <a:t>4/27/2021</a:t>
+              <a:t>5/1/2021</a:t>
             </a:fld>
             <a:endParaRPr lang="en-US"/>
           </a:p>
@@ -6363,7 +6363,7 @@
           <a:p>
             <a:fld id="{F46F8903-38BE-4FD8-98FC-E4EF771B2D8C}" type="datetime1">
               <a:rPr lang="en-US" smtClean="0"/>
-              <a:t>4/27/2021</a:t>
+              <a:t>5/1/2021</a:t>
             </a:fld>
             <a:endParaRPr lang="en-US"/>
           </a:p>
@@ -6576,7 +6576,7 @@
           <a:p>
             <a:fld id="{A91AC8C7-9CA9-4E83-8CE3-AD3BE4150B39}" type="datetime1">
               <a:rPr lang="en-US" smtClean="0"/>
-              <a:t>4/27/2021</a:t>
+              <a:t>5/1/2021</a:t>
             </a:fld>
             <a:endParaRPr lang="en-US"/>
           </a:p>
